--- a/Dokumentation/Platine.pptx
+++ b/Dokumentation/Platine.pptx
@@ -288,7 +288,7 @@
           <a:p>
             <a:fld id="{591DB574-02E0-204E-BD03-BCAE325254D2}" type="datetimeFigureOut">
               <a:rPr lang="de-DE" smtClean="0"/>
-              <a:t>08.04.12</a:t>
+              <a:t>11.04.12</a:t>
             </a:fld>
             <a:endParaRPr lang="de-DE"/>
           </a:p>
@@ -458,7 +458,7 @@
           <a:p>
             <a:fld id="{591DB574-02E0-204E-BD03-BCAE325254D2}" type="datetimeFigureOut">
               <a:rPr lang="de-DE" smtClean="0"/>
-              <a:t>08.04.12</a:t>
+              <a:t>11.04.12</a:t>
             </a:fld>
             <a:endParaRPr lang="de-DE"/>
           </a:p>
@@ -638,7 +638,7 @@
           <a:p>
             <a:fld id="{591DB574-02E0-204E-BD03-BCAE325254D2}" type="datetimeFigureOut">
               <a:rPr lang="de-DE" smtClean="0"/>
-              <a:t>08.04.12</a:t>
+              <a:t>11.04.12</a:t>
             </a:fld>
             <a:endParaRPr lang="de-DE"/>
           </a:p>
@@ -808,7 +808,7 @@
           <a:p>
             <a:fld id="{591DB574-02E0-204E-BD03-BCAE325254D2}" type="datetimeFigureOut">
               <a:rPr lang="de-DE" smtClean="0"/>
-              <a:t>08.04.12</a:t>
+              <a:t>11.04.12</a:t>
             </a:fld>
             <a:endParaRPr lang="de-DE"/>
           </a:p>
@@ -1054,7 +1054,7 @@
           <a:p>
             <a:fld id="{591DB574-02E0-204E-BD03-BCAE325254D2}" type="datetimeFigureOut">
               <a:rPr lang="de-DE" smtClean="0"/>
-              <a:t>08.04.12</a:t>
+              <a:t>11.04.12</a:t>
             </a:fld>
             <a:endParaRPr lang="de-DE"/>
           </a:p>
@@ -1342,7 +1342,7 @@
           <a:p>
             <a:fld id="{591DB574-02E0-204E-BD03-BCAE325254D2}" type="datetimeFigureOut">
               <a:rPr lang="de-DE" smtClean="0"/>
-              <a:t>08.04.12</a:t>
+              <a:t>11.04.12</a:t>
             </a:fld>
             <a:endParaRPr lang="de-DE"/>
           </a:p>
@@ -1764,7 +1764,7 @@
           <a:p>
             <a:fld id="{591DB574-02E0-204E-BD03-BCAE325254D2}" type="datetimeFigureOut">
               <a:rPr lang="de-DE" smtClean="0"/>
-              <a:t>08.04.12</a:t>
+              <a:t>11.04.12</a:t>
             </a:fld>
             <a:endParaRPr lang="de-DE"/>
           </a:p>
@@ -1882,7 +1882,7 @@
           <a:p>
             <a:fld id="{591DB574-02E0-204E-BD03-BCAE325254D2}" type="datetimeFigureOut">
               <a:rPr lang="de-DE" smtClean="0"/>
-              <a:t>08.04.12</a:t>
+              <a:t>11.04.12</a:t>
             </a:fld>
             <a:endParaRPr lang="de-DE"/>
           </a:p>
@@ -1977,7 +1977,7 @@
           <a:p>
             <a:fld id="{591DB574-02E0-204E-BD03-BCAE325254D2}" type="datetimeFigureOut">
               <a:rPr lang="de-DE" smtClean="0"/>
-              <a:t>08.04.12</a:t>
+              <a:t>11.04.12</a:t>
             </a:fld>
             <a:endParaRPr lang="de-DE"/>
           </a:p>
@@ -2254,7 +2254,7 @@
           <a:p>
             <a:fld id="{591DB574-02E0-204E-BD03-BCAE325254D2}" type="datetimeFigureOut">
               <a:rPr lang="de-DE" smtClean="0"/>
-              <a:t>08.04.12</a:t>
+              <a:t>11.04.12</a:t>
             </a:fld>
             <a:endParaRPr lang="de-DE"/>
           </a:p>
@@ -2507,7 +2507,7 @@
           <a:p>
             <a:fld id="{591DB574-02E0-204E-BD03-BCAE325254D2}" type="datetimeFigureOut">
               <a:rPr lang="de-DE" smtClean="0"/>
-              <a:t>08.04.12</a:t>
+              <a:t>11.04.12</a:t>
             </a:fld>
             <a:endParaRPr lang="de-DE"/>
           </a:p>
@@ -2720,7 +2720,7 @@
           <a:p>
             <a:fld id="{591DB574-02E0-204E-BD03-BCAE325254D2}" type="datetimeFigureOut">
               <a:rPr lang="de-DE" smtClean="0"/>
-              <a:t>08.04.12</a:t>
+              <a:t>11.04.12</a:t>
             </a:fld>
             <a:endParaRPr lang="de-DE"/>
           </a:p>
@@ -3097,16 +3097,16 @@
       </p:grpSpPr>
       <p:grpSp>
         <p:nvGrpSpPr>
-          <p:cNvPr id="36" name="Gruppierung 35"/>
+          <p:cNvPr id="2" name="Gruppierung 1"/>
           <p:cNvGrpSpPr/>
           <p:nvPr/>
         </p:nvGrpSpPr>
         <p:grpSpPr>
           <a:xfrm>
             <a:off x="233958" y="523121"/>
-            <a:ext cx="7608999" cy="4653202"/>
+            <a:ext cx="7608999" cy="4770998"/>
             <a:chOff x="233958" y="523121"/>
-            <a:chExt cx="7608999" cy="4653202"/>
+            <a:chExt cx="7608999" cy="4770998"/>
           </a:xfrm>
         </p:grpSpPr>
         <p:grpSp>
@@ -4054,6 +4054,145 @@
             </a:p>
           </p:txBody>
         </p:sp>
+        <p:sp>
+          <p:nvSpPr>
+            <p:cNvPr id="31" name="Pfeil nach links und rechts 30"/>
+            <p:cNvSpPr/>
+            <p:nvPr/>
+          </p:nvSpPr>
+          <p:spPr>
+            <a:xfrm>
+              <a:off x="2503591" y="4873781"/>
+              <a:ext cx="1258147" cy="302542"/>
+            </a:xfrm>
+            <a:prstGeom prst="leftRightArrow">
+              <a:avLst/>
+            </a:prstGeom>
+            <a:ln/>
+            <a:effectLst>
+              <a:outerShdw blurRad="50800" dist="38100" dir="2700000" algn="tl" rotWithShape="0">
+                <a:prstClr val="black">
+                  <a:alpha val="40000"/>
+                </a:prstClr>
+              </a:outerShdw>
+            </a:effectLst>
+          </p:spPr>
+          <p:style>
+            <a:lnRef idx="1">
+              <a:schemeClr val="accent1"/>
+            </a:lnRef>
+            <a:fillRef idx="3">
+              <a:schemeClr val="accent1"/>
+            </a:fillRef>
+            <a:effectRef idx="2">
+              <a:schemeClr val="accent1"/>
+            </a:effectRef>
+            <a:fontRef idx="minor">
+              <a:schemeClr val="lt1"/>
+            </a:fontRef>
+          </p:style>
+          <p:txBody>
+            <a:bodyPr/>
+            <a:lstStyle/>
+            <a:p>
+              <a:endParaRPr lang="de-DE"/>
+            </a:p>
+          </p:txBody>
+        </p:sp>
+        <p:grpSp>
+          <p:nvGrpSpPr>
+            <p:cNvPr id="33" name="Gruppierung 32"/>
+            <p:cNvGrpSpPr/>
+            <p:nvPr/>
+          </p:nvGrpSpPr>
+          <p:grpSpPr>
+            <a:xfrm>
+              <a:off x="1590321" y="4731507"/>
+              <a:ext cx="764824" cy="562612"/>
+              <a:chOff x="1789288" y="2640611"/>
+              <a:chExt cx="764824" cy="562612"/>
+            </a:xfrm>
+            <a:effectLst>
+              <a:outerShdw blurRad="50800" dist="38100" dir="2700000" algn="tl" rotWithShape="0">
+                <a:prstClr val="black">
+                  <a:alpha val="40000"/>
+                </a:prstClr>
+              </a:outerShdw>
+            </a:effectLst>
+          </p:grpSpPr>
+          <p:sp>
+            <p:nvSpPr>
+              <p:cNvPr id="34" name="Rechteck 33"/>
+              <p:cNvSpPr/>
+              <p:nvPr/>
+            </p:nvSpPr>
+            <p:spPr>
+              <a:xfrm>
+                <a:off x="1789288" y="2640611"/>
+                <a:ext cx="764824" cy="562612"/>
+              </a:xfrm>
+              <a:prstGeom prst="rect">
+                <a:avLst/>
+              </a:prstGeom>
+              <a:solidFill>
+                <a:schemeClr val="bg1"/>
+              </a:solidFill>
+            </p:spPr>
+            <p:style>
+              <a:lnRef idx="1">
+                <a:schemeClr val="accent1"/>
+              </a:lnRef>
+              <a:fillRef idx="3">
+                <a:schemeClr val="accent1"/>
+              </a:fillRef>
+              <a:effectRef idx="2">
+                <a:schemeClr val="accent1"/>
+              </a:effectRef>
+              <a:fontRef idx="minor">
+                <a:schemeClr val="lt1"/>
+              </a:fontRef>
+            </p:style>
+            <p:txBody>
+              <a:bodyPr rtlCol="0" anchor="ctr"/>
+              <a:lstStyle/>
+              <a:p>
+                <a:pPr algn="ctr"/>
+                <a:endParaRPr lang="de-DE"/>
+              </a:p>
+            </p:txBody>
+          </p:sp>
+          <p:sp>
+            <p:nvSpPr>
+              <p:cNvPr id="37" name="Textfeld 36"/>
+              <p:cNvSpPr txBox="1"/>
+              <p:nvPr/>
+            </p:nvSpPr>
+            <p:spPr>
+              <a:xfrm>
+                <a:off x="1789290" y="2735007"/>
+                <a:ext cx="764822" cy="276999"/>
+              </a:xfrm>
+              <a:prstGeom prst="rect">
+                <a:avLst/>
+              </a:prstGeom>
+              <a:noFill/>
+            </p:spPr>
+            <p:txBody>
+              <a:bodyPr wrap="square" rtlCol="0">
+                <a:spAutoFit/>
+              </a:bodyPr>
+              <a:lstStyle/>
+              <a:p>
+                <a:pPr algn="ctr"/>
+                <a:r>
+                  <a:rPr lang="de-DE" sz="1200" dirty="0" smtClean="0"/>
+                  <a:t>RS232</a:t>
+                </a:r>
+                <a:endParaRPr lang="de-DE" sz="1200" dirty="0"/>
+              </a:p>
+            </p:txBody>
+          </p:sp>
+        </p:grpSp>
       </p:grpSp>
     </p:spTree>
     <p:extLst>
